--- a/assets/the-figure/THE FIGURE.pptx
+++ b/assets/the-figure/THE FIGURE.pptx
@@ -114,6 +114,14 @@
 </p:presentation>
 </file>
 
+<file path=ppt/revisionInfo.xml><?xml version="1.0" encoding="utf-8"?>
+<p1510:revInfo xmlns:a="http://schemas.openxmlformats.org/drawingml/2006/main" xmlns:r="http://schemas.openxmlformats.org/officeDocument/2006/relationships" xmlns:p1510="http://schemas.microsoft.com/office/powerpoint/2015/10/main">
+  <p1510:revLst>
+    <p1510:client id="{5C0204E7-8E2C-4DEE-93BB-64EE2D515FAC}" v="15" dt="2023-11-22T10:46:25.156"/>
+  </p1510:revLst>
+</p1510:revInfo>
+</file>
+
 <file path=ppt/changesInfos/changesInfo1.xml><?xml version="1.0" encoding="utf-8"?>
 <pc:chgInfo xmlns:a="http://schemas.openxmlformats.org/drawingml/2006/main" xmlns:r="http://schemas.openxmlformats.org/officeDocument/2006/relationships" xmlns:ac="http://schemas.microsoft.com/office/drawing/2013/main/command" xmlns:pc="http://schemas.microsoft.com/office/powerpoint/2013/main/command">
   <pc:docChgLst>
@@ -1046,17 +1054,137 @@
   <pc:docChgLst>
     <pc:chgData name="Rex Parsons" userId="c9ee1aae-a5be-48e0-83d4-54b649eee1f9" providerId="ADAL" clId="{5C0204E7-8E2C-4DEE-93BB-64EE2D515FAC}"/>
     <pc:docChg chg="modSld">
-      <pc:chgData name="Rex Parsons" userId="c9ee1aae-a5be-48e0-83d4-54b649eee1f9" providerId="ADAL" clId="{5C0204E7-8E2C-4DEE-93BB-64EE2D515FAC}" dt="2023-11-20T11:52:25.753" v="0" actId="113"/>
+      <pc:chgData name="Rex Parsons" userId="c9ee1aae-a5be-48e0-83d4-54b649eee1f9" providerId="ADAL" clId="{5C0204E7-8E2C-4DEE-93BB-64EE2D515FAC}" dt="2023-11-22T10:46:25.140" v="15" actId="113"/>
       <pc:docMkLst>
         <pc:docMk/>
       </pc:docMkLst>
       <pc:sldChg chg="modSp mod">
-        <pc:chgData name="Rex Parsons" userId="c9ee1aae-a5be-48e0-83d4-54b649eee1f9" providerId="ADAL" clId="{5C0204E7-8E2C-4DEE-93BB-64EE2D515FAC}" dt="2023-11-20T11:52:25.753" v="0" actId="113"/>
+        <pc:chgData name="Rex Parsons" userId="c9ee1aae-a5be-48e0-83d4-54b649eee1f9" providerId="ADAL" clId="{5C0204E7-8E2C-4DEE-93BB-64EE2D515FAC}" dt="2023-11-22T10:46:25.140" v="15" actId="113"/>
         <pc:sldMkLst>
           <pc:docMk/>
           <pc:sldMk cId="2221687034" sldId="258"/>
         </pc:sldMkLst>
         <pc:spChg chg="mod">
+          <ac:chgData name="Rex Parsons" userId="c9ee1aae-a5be-48e0-83d4-54b649eee1f9" providerId="ADAL" clId="{5C0204E7-8E2C-4DEE-93BB-64EE2D515FAC}" dt="2023-11-22T10:43:58.799" v="3" actId="113"/>
+          <ac:spMkLst>
+            <pc:docMk/>
+            <pc:sldMk cId="2221687034" sldId="258"/>
+            <ac:spMk id="2" creationId="{48712DDC-73A5-DF1E-2042-A142E1FA2B8F}"/>
+          </ac:spMkLst>
+        </pc:spChg>
+        <pc:spChg chg="mod">
+          <ac:chgData name="Rex Parsons" userId="c9ee1aae-a5be-48e0-83d4-54b649eee1f9" providerId="ADAL" clId="{5C0204E7-8E2C-4DEE-93BB-64EE2D515FAC}" dt="2023-11-22T10:45:55.484" v="12" actId="113"/>
+          <ac:spMkLst>
+            <pc:docMk/>
+            <pc:sldMk cId="2221687034" sldId="258"/>
+            <ac:spMk id="4" creationId="{815EBA05-1F1E-C893-CE1A-D90644484D99}"/>
+          </ac:spMkLst>
+        </pc:spChg>
+        <pc:spChg chg="mod">
+          <ac:chgData name="Rex Parsons" userId="c9ee1aae-a5be-48e0-83d4-54b649eee1f9" providerId="ADAL" clId="{5C0204E7-8E2C-4DEE-93BB-64EE2D515FAC}" dt="2023-11-22T10:46:25.140" v="15" actId="113"/>
+          <ac:spMkLst>
+            <pc:docMk/>
+            <pc:sldMk cId="2221687034" sldId="258"/>
+            <ac:spMk id="5" creationId="{23EDE1DA-4D30-08C3-894F-D68DCABE4E2E}"/>
+          </ac:spMkLst>
+        </pc:spChg>
+        <pc:spChg chg="mod">
+          <ac:chgData name="Rex Parsons" userId="c9ee1aae-a5be-48e0-83d4-54b649eee1f9" providerId="ADAL" clId="{5C0204E7-8E2C-4DEE-93BB-64EE2D515FAC}" dt="2023-11-22T10:43:58.799" v="3" actId="113"/>
+          <ac:spMkLst>
+            <pc:docMk/>
+            <pc:sldMk cId="2221687034" sldId="258"/>
+            <ac:spMk id="10" creationId="{0BD4C3E0-5697-42B7-BCEA-7D0128F1D259}"/>
+          </ac:spMkLst>
+        </pc:spChg>
+        <pc:spChg chg="mod">
+          <ac:chgData name="Rex Parsons" userId="c9ee1aae-a5be-48e0-83d4-54b649eee1f9" providerId="ADAL" clId="{5C0204E7-8E2C-4DEE-93BB-64EE2D515FAC}" dt="2023-11-22T10:43:58.799" v="3" actId="113"/>
+          <ac:spMkLst>
+            <pc:docMk/>
+            <pc:sldMk cId="2221687034" sldId="258"/>
+            <ac:spMk id="11" creationId="{1F8442BC-3030-478A-A5CB-F0073BDA9788}"/>
+          </ac:spMkLst>
+        </pc:spChg>
+        <pc:spChg chg="mod">
+          <ac:chgData name="Rex Parsons" userId="c9ee1aae-a5be-48e0-83d4-54b649eee1f9" providerId="ADAL" clId="{5C0204E7-8E2C-4DEE-93BB-64EE2D515FAC}" dt="2023-11-22T10:45:01.643" v="7" actId="113"/>
+          <ac:spMkLst>
+            <pc:docMk/>
+            <pc:sldMk cId="2221687034" sldId="258"/>
+            <ac:spMk id="12" creationId="{95B66D39-6A4F-45A4-96D5-CCF7A2EB3D36}"/>
+          </ac:spMkLst>
+        </pc:spChg>
+        <pc:spChg chg="mod">
+          <ac:chgData name="Rex Parsons" userId="c9ee1aae-a5be-48e0-83d4-54b649eee1f9" providerId="ADAL" clId="{5C0204E7-8E2C-4DEE-93BB-64EE2D515FAC}" dt="2023-11-22T10:44:55.325" v="6" actId="113"/>
+          <ac:spMkLst>
+            <pc:docMk/>
+            <pc:sldMk cId="2221687034" sldId="258"/>
+            <ac:spMk id="13" creationId="{9F2510D7-2F78-4611-B92C-8A48F1AB03D9}"/>
+          </ac:spMkLst>
+        </pc:spChg>
+        <pc:spChg chg="mod">
+          <ac:chgData name="Rex Parsons" userId="c9ee1aae-a5be-48e0-83d4-54b649eee1f9" providerId="ADAL" clId="{5C0204E7-8E2C-4DEE-93BB-64EE2D515FAC}" dt="2023-11-22T10:45:55.484" v="12" actId="113"/>
+          <ac:spMkLst>
+            <pc:docMk/>
+            <pc:sldMk cId="2221687034" sldId="258"/>
+            <ac:spMk id="16" creationId="{5AE7CA03-4907-4A7F-AF4C-614EF8085CB6}"/>
+          </ac:spMkLst>
+        </pc:spChg>
+        <pc:spChg chg="mod">
+          <ac:chgData name="Rex Parsons" userId="c9ee1aae-a5be-48e0-83d4-54b649eee1f9" providerId="ADAL" clId="{5C0204E7-8E2C-4DEE-93BB-64EE2D515FAC}" dt="2023-11-22T10:46:25.140" v="15" actId="113"/>
+          <ac:spMkLst>
+            <pc:docMk/>
+            <pc:sldMk cId="2221687034" sldId="258"/>
+            <ac:spMk id="20" creationId="{D1DE21DA-1424-4910-8BD1-0551A8B0435A}"/>
+          </ac:spMkLst>
+        </pc:spChg>
+        <pc:spChg chg="mod">
+          <ac:chgData name="Rex Parsons" userId="c9ee1aae-a5be-48e0-83d4-54b649eee1f9" providerId="ADAL" clId="{5C0204E7-8E2C-4DEE-93BB-64EE2D515FAC}" dt="2023-11-22T10:46:25.140" v="15" actId="113"/>
+          <ac:spMkLst>
+            <pc:docMk/>
+            <pc:sldMk cId="2221687034" sldId="258"/>
+            <ac:spMk id="21" creationId="{FDB099DF-B9C7-4F1E-8D8A-7DC09C9F18F8}"/>
+          </ac:spMkLst>
+        </pc:spChg>
+        <pc:spChg chg="mod">
+          <ac:chgData name="Rex Parsons" userId="c9ee1aae-a5be-48e0-83d4-54b649eee1f9" providerId="ADAL" clId="{5C0204E7-8E2C-4DEE-93BB-64EE2D515FAC}" dt="2023-11-22T10:45:55.484" v="12" actId="113"/>
+          <ac:spMkLst>
+            <pc:docMk/>
+            <pc:sldMk cId="2221687034" sldId="258"/>
+            <ac:spMk id="36" creationId="{5A45A7E4-7320-4C8E-A401-FEBE5C13C4C0}"/>
+          </ac:spMkLst>
+        </pc:spChg>
+        <pc:spChg chg="mod">
+          <ac:chgData name="Rex Parsons" userId="c9ee1aae-a5be-48e0-83d4-54b649eee1f9" providerId="ADAL" clId="{5C0204E7-8E2C-4DEE-93BB-64EE2D515FAC}" dt="2023-11-22T10:43:58.799" v="3" actId="113"/>
+          <ac:spMkLst>
+            <pc:docMk/>
+            <pc:sldMk cId="2221687034" sldId="258"/>
+            <ac:spMk id="54" creationId="{44DA43D4-ED74-4A27-8513-D9570296E008}"/>
+          </ac:spMkLst>
+        </pc:spChg>
+        <pc:spChg chg="mod">
+          <ac:chgData name="Rex Parsons" userId="c9ee1aae-a5be-48e0-83d4-54b649eee1f9" providerId="ADAL" clId="{5C0204E7-8E2C-4DEE-93BB-64EE2D515FAC}" dt="2023-11-22T10:44:55.325" v="6" actId="113"/>
+          <ac:spMkLst>
+            <pc:docMk/>
+            <pc:sldMk cId="2221687034" sldId="258"/>
+            <ac:spMk id="55" creationId="{3DFC7178-E4FC-435C-896F-82C3E49ED458}"/>
+          </ac:spMkLst>
+        </pc:spChg>
+        <pc:spChg chg="mod">
+          <ac:chgData name="Rex Parsons" userId="c9ee1aae-a5be-48e0-83d4-54b649eee1f9" providerId="ADAL" clId="{5C0204E7-8E2C-4DEE-93BB-64EE2D515FAC}" dt="2023-11-22T10:45:55.484" v="12" actId="113"/>
+          <ac:spMkLst>
+            <pc:docMk/>
+            <pc:sldMk cId="2221687034" sldId="258"/>
+            <ac:spMk id="58" creationId="{1F7B914D-A520-4220-9B8E-CEDE1709ED20}"/>
+          </ac:spMkLst>
+        </pc:spChg>
+        <pc:spChg chg="mod">
+          <ac:chgData name="Rex Parsons" userId="c9ee1aae-a5be-48e0-83d4-54b649eee1f9" providerId="ADAL" clId="{5C0204E7-8E2C-4DEE-93BB-64EE2D515FAC}" dt="2023-11-22T10:46:25.140" v="15" actId="113"/>
+          <ac:spMkLst>
+            <pc:docMk/>
+            <pc:sldMk cId="2221687034" sldId="258"/>
+            <ac:spMk id="59" creationId="{42068DFC-BDD6-4F62-A4C7-17F5999A876F}"/>
+          </ac:spMkLst>
+        </pc:spChg>
+        <pc:spChg chg="mod">
           <ac:chgData name="Rex Parsons" userId="c9ee1aae-a5be-48e0-83d4-54b649eee1f9" providerId="ADAL" clId="{5C0204E7-8E2C-4DEE-93BB-64EE2D515FAC}" dt="2023-11-20T11:52:25.753" v="0" actId="113"/>
           <ac:spMkLst>
             <pc:docMk/>
@@ -1064,6 +1192,78 @@
             <ac:spMk id="68" creationId="{951A72B8-710F-4A84-B95C-FA7C9BB6D768}"/>
           </ac:spMkLst>
         </pc:spChg>
+        <pc:spChg chg="mod">
+          <ac:chgData name="Rex Parsons" userId="c9ee1aae-a5be-48e0-83d4-54b649eee1f9" providerId="ADAL" clId="{5C0204E7-8E2C-4DEE-93BB-64EE2D515FAC}" dt="2023-11-22T10:45:05.337" v="8" actId="113"/>
+          <ac:spMkLst>
+            <pc:docMk/>
+            <pc:sldMk cId="2221687034" sldId="258"/>
+            <ac:spMk id="70" creationId="{5BBAD4CB-67CE-4DAD-81AC-FC3617D0D33A}"/>
+          </ac:spMkLst>
+        </pc:spChg>
+        <pc:spChg chg="mod">
+          <ac:chgData name="Rex Parsons" userId="c9ee1aae-a5be-48e0-83d4-54b649eee1f9" providerId="ADAL" clId="{5C0204E7-8E2C-4DEE-93BB-64EE2D515FAC}" dt="2023-11-22T10:43:58.799" v="3" actId="113"/>
+          <ac:spMkLst>
+            <pc:docMk/>
+            <pc:sldMk cId="2221687034" sldId="258"/>
+            <ac:spMk id="71" creationId="{050527DA-ED8D-4067-994F-3B0A57EE429E}"/>
+          </ac:spMkLst>
+        </pc:spChg>
+        <pc:spChg chg="mod">
+          <ac:chgData name="Rex Parsons" userId="c9ee1aae-a5be-48e0-83d4-54b649eee1f9" providerId="ADAL" clId="{5C0204E7-8E2C-4DEE-93BB-64EE2D515FAC}" dt="2023-11-22T10:43:58.799" v="3" actId="113"/>
+          <ac:spMkLst>
+            <pc:docMk/>
+            <pc:sldMk cId="2221687034" sldId="258"/>
+            <ac:spMk id="73" creationId="{3682F1C4-8043-423C-973F-56C1B0D413F3}"/>
+          </ac:spMkLst>
+        </pc:spChg>
+        <pc:spChg chg="mod">
+          <ac:chgData name="Rex Parsons" userId="c9ee1aae-a5be-48e0-83d4-54b649eee1f9" providerId="ADAL" clId="{5C0204E7-8E2C-4DEE-93BB-64EE2D515FAC}" dt="2023-11-22T10:44:55.325" v="6" actId="113"/>
+          <ac:spMkLst>
+            <pc:docMk/>
+            <pc:sldMk cId="2221687034" sldId="258"/>
+            <ac:spMk id="74" creationId="{7D24BB29-CEC4-449B-AFA5-EF06FD70E24F}"/>
+          </ac:spMkLst>
+        </pc:spChg>
+        <pc:spChg chg="mod">
+          <ac:chgData name="Rex Parsons" userId="c9ee1aae-a5be-48e0-83d4-54b649eee1f9" providerId="ADAL" clId="{5C0204E7-8E2C-4DEE-93BB-64EE2D515FAC}" dt="2023-11-22T10:45:55.484" v="12" actId="113"/>
+          <ac:spMkLst>
+            <pc:docMk/>
+            <pc:sldMk cId="2221687034" sldId="258"/>
+            <ac:spMk id="77" creationId="{A216F89E-5687-4C97-AFD2-7C45E4434CB5}"/>
+          </ac:spMkLst>
+        </pc:spChg>
+        <pc:spChg chg="mod">
+          <ac:chgData name="Rex Parsons" userId="c9ee1aae-a5be-48e0-83d4-54b649eee1f9" providerId="ADAL" clId="{5C0204E7-8E2C-4DEE-93BB-64EE2D515FAC}" dt="2023-11-22T10:46:25.140" v="15" actId="113"/>
+          <ac:spMkLst>
+            <pc:docMk/>
+            <pc:sldMk cId="2221687034" sldId="258"/>
+            <ac:spMk id="78" creationId="{82FE1411-C9CF-43FB-A26C-373E09C5CB26}"/>
+          </ac:spMkLst>
+        </pc:spChg>
+        <pc:spChg chg="mod">
+          <ac:chgData name="Rex Parsons" userId="c9ee1aae-a5be-48e0-83d4-54b649eee1f9" providerId="ADAL" clId="{5C0204E7-8E2C-4DEE-93BB-64EE2D515FAC}" dt="2023-11-22T10:43:58.799" v="3" actId="113"/>
+          <ac:spMkLst>
+            <pc:docMk/>
+            <pc:sldMk cId="2221687034" sldId="258"/>
+            <ac:spMk id="79" creationId="{3D58C7FA-0FBE-47B6-B92D-6E01DF6B4F11}"/>
+          </ac:spMkLst>
+        </pc:spChg>
+        <pc:spChg chg="mod">
+          <ac:chgData name="Rex Parsons" userId="c9ee1aae-a5be-48e0-83d4-54b649eee1f9" providerId="ADAL" clId="{5C0204E7-8E2C-4DEE-93BB-64EE2D515FAC}" dt="2023-11-22T10:45:42.120" v="9" actId="113"/>
+          <ac:spMkLst>
+            <pc:docMk/>
+            <pc:sldMk cId="2221687034" sldId="258"/>
+            <ac:spMk id="115" creationId="{760CB7EE-814C-4FA5-B334-9AC36591B336}"/>
+          </ac:spMkLst>
+        </pc:spChg>
+        <pc:grpChg chg="mod">
+          <ac:chgData name="Rex Parsons" userId="c9ee1aae-a5be-48e0-83d4-54b649eee1f9" providerId="ADAL" clId="{5C0204E7-8E2C-4DEE-93BB-64EE2D515FAC}" dt="2023-11-22T10:46:16.921" v="14" actId="113"/>
+          <ac:grpSpMkLst>
+            <pc:docMk/>
+            <pc:sldMk cId="2221687034" sldId="258"/>
+            <ac:grpSpMk id="15" creationId="{B68BB220-8097-4BF5-5FB2-98E453592892}"/>
+          </ac:grpSpMkLst>
+        </pc:grpChg>
       </pc:sldChg>
     </pc:docChg>
   </pc:docChgLst>
@@ -2984,7 +3184,7 @@
           <a:p>
             <a:fld id="{66897E6A-B233-4D98-8D77-DE33BC4D1D4E}" type="datetimeFigureOut">
               <a:rPr lang="en-AU" smtClean="0"/>
-              <a:t>20/11/2023</a:t>
+              <a:t>22/11/2023</a:t>
             </a:fld>
             <a:endParaRPr lang="en-AU"/>
           </a:p>
@@ -3184,7 +3384,7 @@
           <a:p>
             <a:fld id="{66897E6A-B233-4D98-8D77-DE33BC4D1D4E}" type="datetimeFigureOut">
               <a:rPr lang="en-AU" smtClean="0"/>
-              <a:t>20/11/2023</a:t>
+              <a:t>22/11/2023</a:t>
             </a:fld>
             <a:endParaRPr lang="en-AU"/>
           </a:p>
@@ -3394,7 +3594,7 @@
           <a:p>
             <a:fld id="{66897E6A-B233-4D98-8D77-DE33BC4D1D4E}" type="datetimeFigureOut">
               <a:rPr lang="en-AU" smtClean="0"/>
-              <a:t>20/11/2023</a:t>
+              <a:t>22/11/2023</a:t>
             </a:fld>
             <a:endParaRPr lang="en-AU"/>
           </a:p>
@@ -3594,7 +3794,7 @@
           <a:p>
             <a:fld id="{66897E6A-B233-4D98-8D77-DE33BC4D1D4E}" type="datetimeFigureOut">
               <a:rPr lang="en-AU" smtClean="0"/>
-              <a:t>20/11/2023</a:t>
+              <a:t>22/11/2023</a:t>
             </a:fld>
             <a:endParaRPr lang="en-AU"/>
           </a:p>
@@ -3870,7 +4070,7 @@
           <a:p>
             <a:fld id="{66897E6A-B233-4D98-8D77-DE33BC4D1D4E}" type="datetimeFigureOut">
               <a:rPr lang="en-AU" smtClean="0"/>
-              <a:t>20/11/2023</a:t>
+              <a:t>22/11/2023</a:t>
             </a:fld>
             <a:endParaRPr lang="en-AU"/>
           </a:p>
@@ -4138,7 +4338,7 @@
           <a:p>
             <a:fld id="{66897E6A-B233-4D98-8D77-DE33BC4D1D4E}" type="datetimeFigureOut">
               <a:rPr lang="en-AU" smtClean="0"/>
-              <a:t>20/11/2023</a:t>
+              <a:t>22/11/2023</a:t>
             </a:fld>
             <a:endParaRPr lang="en-AU"/>
           </a:p>
@@ -4553,7 +4753,7 @@
           <a:p>
             <a:fld id="{66897E6A-B233-4D98-8D77-DE33BC4D1D4E}" type="datetimeFigureOut">
               <a:rPr lang="en-AU" smtClean="0"/>
-              <a:t>20/11/2023</a:t>
+              <a:t>22/11/2023</a:t>
             </a:fld>
             <a:endParaRPr lang="en-AU"/>
           </a:p>
@@ -4695,7 +4895,7 @@
           <a:p>
             <a:fld id="{66897E6A-B233-4D98-8D77-DE33BC4D1D4E}" type="datetimeFigureOut">
               <a:rPr lang="en-AU" smtClean="0"/>
-              <a:t>20/11/2023</a:t>
+              <a:t>22/11/2023</a:t>
             </a:fld>
             <a:endParaRPr lang="en-AU"/>
           </a:p>
@@ -4808,7 +5008,7 @@
           <a:p>
             <a:fld id="{66897E6A-B233-4D98-8D77-DE33BC4D1D4E}" type="datetimeFigureOut">
               <a:rPr lang="en-AU" smtClean="0"/>
-              <a:t>20/11/2023</a:t>
+              <a:t>22/11/2023</a:t>
             </a:fld>
             <a:endParaRPr lang="en-AU"/>
           </a:p>
@@ -5121,7 +5321,7 @@
           <a:p>
             <a:fld id="{66897E6A-B233-4D98-8D77-DE33BC4D1D4E}" type="datetimeFigureOut">
               <a:rPr lang="en-AU" smtClean="0"/>
-              <a:t>20/11/2023</a:t>
+              <a:t>22/11/2023</a:t>
             </a:fld>
             <a:endParaRPr lang="en-AU"/>
           </a:p>
@@ -5410,7 +5610,7 @@
           <a:p>
             <a:fld id="{66897E6A-B233-4D98-8D77-DE33BC4D1D4E}" type="datetimeFigureOut">
               <a:rPr lang="en-AU" smtClean="0"/>
-              <a:t>20/11/2023</a:t>
+              <a:t>22/11/2023</a:t>
             </a:fld>
             <a:endParaRPr lang="en-AU"/>
           </a:p>
@@ -5653,7 +5853,7 @@
           <a:p>
             <a:fld id="{66897E6A-B233-4D98-8D77-DE33BC4D1D4E}" type="datetimeFigureOut">
               <a:rPr lang="en-AU" smtClean="0"/>
-              <a:t>20/11/2023</a:t>
+              <a:t>22/11/2023</a:t>
             </a:fld>
             <a:endParaRPr lang="en-AU"/>
           </a:p>
@@ -12966,7 +13166,7 @@
                 </a:spcBef>
               </a:pPr>
               <a:r>
-                <a:rPr lang="en-AU" altLang="en-US"/>
+                <a:rPr lang="en-AU" altLang="en-US" dirty="0"/>
                 <a:t>Aim 2</a:t>
               </a:r>
             </a:p>
@@ -13028,7 +13228,7 @@
                 </a:spcBef>
               </a:pPr>
               <a:r>
-                <a:rPr lang="en-AU" altLang="en-US"/>
+                <a:rPr lang="en-AU" altLang="en-US" dirty="0"/>
                 <a:t>Study 2</a:t>
               </a:r>
             </a:p>
@@ -13152,7 +13352,7 @@
                 </a:spcBef>
               </a:pPr>
               <a:r>
-                <a:rPr lang="en-AU" altLang="en-US"/>
+                <a:rPr lang="en-AU" altLang="en-US" b="1"/>
                 <a:t>Aim 4</a:t>
               </a:r>
             </a:p>
@@ -13214,7 +13414,7 @@
                 </a:spcBef>
               </a:pPr>
               <a:r>
-                <a:rPr lang="en-AU" altLang="en-US" dirty="0"/>
+                <a:rPr lang="en-AU" altLang="en-US" b="1" dirty="0"/>
                 <a:t>Study 4</a:t>
               </a:r>
             </a:p>
@@ -13938,7 +14138,7 @@
                 </a:spcBef>
               </a:pPr>
               <a:r>
-                <a:rPr lang="en-AU" altLang="en-US" sz="1600" b="1"/>
+                <a:rPr lang="en-AU" altLang="en-US" sz="1600"/>
                 <a:t>Thesis</a:t>
               </a:r>
             </a:p>
@@ -14186,7 +14386,7 @@
                 </a:spcBef>
               </a:pPr>
               <a:r>
-                <a:rPr lang="en-AU" altLang="en-US" dirty="0"/>
+                <a:rPr lang="en-AU" altLang="en-US" b="1" dirty="0"/>
                 <a:t>Chapter 6</a:t>
               </a:r>
             </a:p>
@@ -14867,7 +15067,7 @@
                 </a:spcBef>
               </a:pPr>
               <a:r>
-                <a:rPr lang="en-AU" altLang="en-US" dirty="0"/>
+                <a:rPr lang="en-AU" altLang="en-US" b="1" dirty="0"/>
                 <a:t>Manuscript 5</a:t>
               </a:r>
             </a:p>
@@ -15643,7 +15843,7 @@
             <a:bodyPr/>
             <a:lstStyle/>
             <a:p>
-              <a:endParaRPr lang="en-AU"/>
+              <a:endParaRPr lang="en-AU" dirty="0"/>
             </a:p>
           </p:txBody>
         </p:sp>
@@ -15765,10 +15965,10 @@
                 </a:spcBef>
               </a:pPr>
               <a:r>
-                <a:rPr lang="en-US" altLang="en-US" sz="1600" dirty="0"/>
+                <a:rPr lang="en-US" altLang="en-US" sz="1600" b="1" dirty="0"/>
                 <a:t>Software for high-value CDSS</a:t>
               </a:r>
-              <a:endParaRPr lang="en-AU" altLang="en-US" sz="1600" dirty="0"/>
+              <a:endParaRPr lang="en-AU" altLang="en-US" sz="1600" b="1" dirty="0"/>
             </a:p>
           </p:txBody>
         </p:sp>
